--- a/teaching_docs/nano-scale-thermal-transport/lecture-3.pptx
+++ b/teaching_docs/nano-scale-thermal-transport/lecture-3.pptx
@@ -210,7 +210,7 @@
           <a:p>
             <a:fld id="{A580CE82-F5B6-F04A-9FCD-70626207BB56}" type="datetimeFigureOut">
               <a:rPr lang="en-US" smtClean="0"/>
-              <a:t>3/3/20</a:t>
+              <a:t>5/29/20</a:t>
             </a:fld>
             <a:endParaRPr lang="en-US"/>
           </a:p>
@@ -774,9 +774,9 @@
           <a:bodyPr/>
           <a:lstStyle/>
           <a:p>
-            <a:fld id="{3BD2822A-3647-EE44-BCBF-B41600958948}" type="datetimeFigureOut">
+            <a:fld id="{F74F9E04-0570-2B48-A87E-4EFAB00F064E}" type="datetime1">
               <a:rPr lang="en-US" smtClean="0"/>
-              <a:t>3/3/20</a:t>
+              <a:t>5/29/20</a:t>
             </a:fld>
             <a:endParaRPr lang="en-US"/>
           </a:p>
@@ -944,9 +944,9 @@
           <a:bodyPr/>
           <a:lstStyle/>
           <a:p>
-            <a:fld id="{3BD2822A-3647-EE44-BCBF-B41600958948}" type="datetimeFigureOut">
+            <a:fld id="{2064405F-A2A2-5A4F-BC01-FD7E33249772}" type="datetime1">
               <a:rPr lang="en-US" smtClean="0"/>
-              <a:t>3/3/20</a:t>
+              <a:t>5/29/20</a:t>
             </a:fld>
             <a:endParaRPr lang="en-US"/>
           </a:p>
@@ -1124,9 +1124,9 @@
           <a:bodyPr/>
           <a:lstStyle/>
           <a:p>
-            <a:fld id="{3BD2822A-3647-EE44-BCBF-B41600958948}" type="datetimeFigureOut">
+            <a:fld id="{E70205E4-5D64-6F42-9166-697474B48601}" type="datetime1">
               <a:rPr lang="en-US" smtClean="0"/>
-              <a:t>3/3/20</a:t>
+              <a:t>5/29/20</a:t>
             </a:fld>
             <a:endParaRPr lang="en-US"/>
           </a:p>
@@ -1294,9 +1294,9 @@
           <a:bodyPr/>
           <a:lstStyle/>
           <a:p>
-            <a:fld id="{3BD2822A-3647-EE44-BCBF-B41600958948}" type="datetimeFigureOut">
+            <a:fld id="{5B745E21-BE7B-A347-9A39-92876770CE44}" type="datetime1">
               <a:rPr lang="en-US" smtClean="0"/>
-              <a:t>3/3/20</a:t>
+              <a:t>5/29/20</a:t>
             </a:fld>
             <a:endParaRPr lang="en-US"/>
           </a:p>
@@ -1538,9 +1538,9 @@
           <a:bodyPr/>
           <a:lstStyle/>
           <a:p>
-            <a:fld id="{3BD2822A-3647-EE44-BCBF-B41600958948}" type="datetimeFigureOut">
+            <a:fld id="{A07C5BA3-057D-F348-9B13-B839CC8FB81C}" type="datetime1">
               <a:rPr lang="en-US" smtClean="0"/>
-              <a:t>3/3/20</a:t>
+              <a:t>5/29/20</a:t>
             </a:fld>
             <a:endParaRPr lang="en-US"/>
           </a:p>
@@ -1770,9 +1770,9 @@
           <a:bodyPr/>
           <a:lstStyle/>
           <a:p>
-            <a:fld id="{3BD2822A-3647-EE44-BCBF-B41600958948}" type="datetimeFigureOut">
+            <a:fld id="{7D3EE2EA-896B-A34E-8F8F-2B9DF1D8FCAD}" type="datetime1">
               <a:rPr lang="en-US" smtClean="0"/>
-              <a:t>3/3/20</a:t>
+              <a:t>5/29/20</a:t>
             </a:fld>
             <a:endParaRPr lang="en-US"/>
           </a:p>
@@ -2137,9 +2137,9 @@
           <a:bodyPr/>
           <a:lstStyle/>
           <a:p>
-            <a:fld id="{3BD2822A-3647-EE44-BCBF-B41600958948}" type="datetimeFigureOut">
+            <a:fld id="{F49B5F00-E52F-1849-BBDF-40DF65CE31E0}" type="datetime1">
               <a:rPr lang="en-US" smtClean="0"/>
-              <a:t>3/3/20</a:t>
+              <a:t>5/29/20</a:t>
             </a:fld>
             <a:endParaRPr lang="en-US"/>
           </a:p>
@@ -2255,9 +2255,9 @@
           <a:bodyPr/>
           <a:lstStyle/>
           <a:p>
-            <a:fld id="{3BD2822A-3647-EE44-BCBF-B41600958948}" type="datetimeFigureOut">
+            <a:fld id="{96764795-1242-124C-AB67-F36A597F753C}" type="datetime1">
               <a:rPr lang="en-US" smtClean="0"/>
-              <a:t>3/3/20</a:t>
+              <a:t>5/29/20</a:t>
             </a:fld>
             <a:endParaRPr lang="en-US"/>
           </a:p>
@@ -2350,9 +2350,9 @@
           <a:bodyPr/>
           <a:lstStyle/>
           <a:p>
-            <a:fld id="{3BD2822A-3647-EE44-BCBF-B41600958948}" type="datetimeFigureOut">
+            <a:fld id="{174F68B7-C05F-FC46-9DC7-E85125C87C20}" type="datetime1">
               <a:rPr lang="en-US" smtClean="0"/>
-              <a:t>3/3/20</a:t>
+              <a:t>5/29/20</a:t>
             </a:fld>
             <a:endParaRPr lang="en-US"/>
           </a:p>
@@ -2627,9 +2627,9 @@
           <a:bodyPr/>
           <a:lstStyle/>
           <a:p>
-            <a:fld id="{3BD2822A-3647-EE44-BCBF-B41600958948}" type="datetimeFigureOut">
+            <a:fld id="{7B7159B9-8FBC-1240-A113-EE744FAB0327}" type="datetime1">
               <a:rPr lang="en-US" smtClean="0"/>
-              <a:t>3/3/20</a:t>
+              <a:t>5/29/20</a:t>
             </a:fld>
             <a:endParaRPr lang="en-US"/>
           </a:p>
@@ -2884,9 +2884,9 @@
           <a:bodyPr/>
           <a:lstStyle/>
           <a:p>
-            <a:fld id="{3BD2822A-3647-EE44-BCBF-B41600958948}" type="datetimeFigureOut">
+            <a:fld id="{7089B8C7-80DD-FA44-9795-2EE3EB2236DC}" type="datetime1">
               <a:rPr lang="en-US" smtClean="0"/>
-              <a:t>3/3/20</a:t>
+              <a:t>5/29/20</a:t>
             </a:fld>
             <a:endParaRPr lang="en-US"/>
           </a:p>
@@ -3097,9 +3097,9 @@
             </a:lvl1pPr>
           </a:lstStyle>
           <a:p>
-            <a:fld id="{3BD2822A-3647-EE44-BCBF-B41600958948}" type="datetimeFigureOut">
+            <a:fld id="{CE8357EF-1819-D645-95BB-8BC5E8FF0EF9}" type="datetime1">
               <a:rPr lang="en-US" smtClean="0"/>
-              <a:t>3/3/20</a:t>
+              <a:t>5/29/20</a:t>
             </a:fld>
             <a:endParaRPr lang="en-US"/>
           </a:p>
@@ -3204,6 +3204,7 @@
     <p:sldLayoutId id="2147483670" r:id="rId10"/>
     <p:sldLayoutId id="2147483671" r:id="rId11"/>
   </p:sldLayoutIdLst>
+  <p:hf hdr="0" ftr="0" dt="0"/>
   <p:txStyles>
     <p:titleStyle>
       <a:lvl1pPr algn="l" defTabSz="914400" rtl="0" eaLnBrk="1" latinLnBrk="0" hangingPunct="1">
@@ -3610,6 +3611,35 @@
           </a:prstGeom>
         </p:spPr>
       </p:pic>
+      <p:sp>
+        <p:nvSpPr>
+          <p:cNvPr id="5" name="Slide Number Placeholder 4">
+            <a:extLst>
+              <a:ext uri="{FF2B5EF4-FFF2-40B4-BE49-F238E27FC236}">
+                <a16:creationId xmlns:a16="http://schemas.microsoft.com/office/drawing/2014/main" id="{B125A1F5-28A7-0B48-8278-4C34A40EFDA2}"/>
+              </a:ext>
+            </a:extLst>
+          </p:cNvPr>
+          <p:cNvSpPr>
+            <a:spLocks noGrp="1"/>
+          </p:cNvSpPr>
+          <p:nvPr>
+            <p:ph type="sldNum" sz="quarter" idx="12"/>
+          </p:nvPr>
+        </p:nvSpPr>
+        <p:spPr/>
+        <p:txBody>
+          <a:bodyPr/>
+          <a:lstStyle/>
+          <a:p>
+            <a:fld id="{4B65396E-BA54-0B46-9AD4-097ED26DFC13}" type="slidenum">
+              <a:rPr lang="en-US" smtClean="0"/>
+              <a:t>1</a:t>
+            </a:fld>
+            <a:endParaRPr lang="en-US"/>
+          </a:p>
+        </p:txBody>
+      </p:sp>
     </p:spTree>
     <p:extLst>
       <p:ext uri="{BB962C8B-B14F-4D97-AF65-F5344CB8AC3E}">
@@ -4892,6 +4922,35 @@
           </a:p>
         </p:txBody>
       </p:sp>
+      <p:sp>
+        <p:nvSpPr>
+          <p:cNvPr id="2" name="Slide Number Placeholder 1">
+            <a:extLst>
+              <a:ext uri="{FF2B5EF4-FFF2-40B4-BE49-F238E27FC236}">
+                <a16:creationId xmlns:a16="http://schemas.microsoft.com/office/drawing/2014/main" id="{798FA1DE-F50B-CF4C-9904-B2F2430E99A9}"/>
+              </a:ext>
+            </a:extLst>
+          </p:cNvPr>
+          <p:cNvSpPr>
+            <a:spLocks noGrp="1"/>
+          </p:cNvSpPr>
+          <p:nvPr>
+            <p:ph type="sldNum" sz="quarter" idx="12"/>
+          </p:nvPr>
+        </p:nvSpPr>
+        <p:spPr/>
+        <p:txBody>
+          <a:bodyPr/>
+          <a:lstStyle/>
+          <a:p>
+            <a:fld id="{4B65396E-BA54-0B46-9AD4-097ED26DFC13}" type="slidenum">
+              <a:rPr lang="en-US" smtClean="0"/>
+              <a:t>10</a:t>
+            </a:fld>
+            <a:endParaRPr lang="en-US"/>
+          </a:p>
+        </p:txBody>
+      </p:sp>
     </p:spTree>
     <p:extLst>
       <p:ext uri="{BB962C8B-B14F-4D97-AF65-F5344CB8AC3E}">
@@ -5476,6 +5535,35 @@
           </a:p>
           <a:p>
             <a:endParaRPr lang="en-US" sz="1200" dirty="0"/>
+          </a:p>
+        </p:txBody>
+      </p:sp>
+      <p:sp>
+        <p:nvSpPr>
+          <p:cNvPr id="5" name="Slide Number Placeholder 4">
+            <a:extLst>
+              <a:ext uri="{FF2B5EF4-FFF2-40B4-BE49-F238E27FC236}">
+                <a16:creationId xmlns:a16="http://schemas.microsoft.com/office/drawing/2014/main" id="{E9BF4AA0-5249-8E41-9522-6332DAFA52FF}"/>
+              </a:ext>
+            </a:extLst>
+          </p:cNvPr>
+          <p:cNvSpPr>
+            <a:spLocks noGrp="1"/>
+          </p:cNvSpPr>
+          <p:nvPr>
+            <p:ph type="sldNum" sz="quarter" idx="12"/>
+          </p:nvPr>
+        </p:nvSpPr>
+        <p:spPr/>
+        <p:txBody>
+          <a:bodyPr/>
+          <a:lstStyle/>
+          <a:p>
+            <a:fld id="{4B65396E-BA54-0B46-9AD4-097ED26DFC13}" type="slidenum">
+              <a:rPr lang="en-US" smtClean="0"/>
+              <a:t>11</a:t>
+            </a:fld>
+            <a:endParaRPr lang="en-US"/>
           </a:p>
         </p:txBody>
       </p:sp>
@@ -6112,6 +6200,35 @@
           </p:sp>
         </mc:Fallback>
       </mc:AlternateContent>
+      <p:sp>
+        <p:nvSpPr>
+          <p:cNvPr id="2" name="Slide Number Placeholder 1">
+            <a:extLst>
+              <a:ext uri="{FF2B5EF4-FFF2-40B4-BE49-F238E27FC236}">
+                <a16:creationId xmlns:a16="http://schemas.microsoft.com/office/drawing/2014/main" id="{8593E975-17BA-FB47-BF87-1AF2A703A668}"/>
+              </a:ext>
+            </a:extLst>
+          </p:cNvPr>
+          <p:cNvSpPr>
+            <a:spLocks noGrp="1"/>
+          </p:cNvSpPr>
+          <p:nvPr>
+            <p:ph type="sldNum" sz="quarter" idx="12"/>
+          </p:nvPr>
+        </p:nvSpPr>
+        <p:spPr/>
+        <p:txBody>
+          <a:bodyPr/>
+          <a:lstStyle/>
+          <a:p>
+            <a:fld id="{4B65396E-BA54-0B46-9AD4-097ED26DFC13}" type="slidenum">
+              <a:rPr lang="en-US" smtClean="0"/>
+              <a:t>12</a:t>
+            </a:fld>
+            <a:endParaRPr lang="en-US"/>
+          </a:p>
+        </p:txBody>
+      </p:sp>
     </p:spTree>
     <p:extLst>
       <p:ext uri="{BB962C8B-B14F-4D97-AF65-F5344CB8AC3E}">
@@ -6402,6 +6519,35 @@
           </a:p>
         </p:txBody>
       </p:sp>
+      <p:sp>
+        <p:nvSpPr>
+          <p:cNvPr id="4" name="Slide Number Placeholder 3">
+            <a:extLst>
+              <a:ext uri="{FF2B5EF4-FFF2-40B4-BE49-F238E27FC236}">
+                <a16:creationId xmlns:a16="http://schemas.microsoft.com/office/drawing/2014/main" id="{2DE4C16A-3FA9-6F4E-92A9-189FDBC13E9F}"/>
+              </a:ext>
+            </a:extLst>
+          </p:cNvPr>
+          <p:cNvSpPr>
+            <a:spLocks noGrp="1"/>
+          </p:cNvSpPr>
+          <p:nvPr>
+            <p:ph type="sldNum" sz="quarter" idx="12"/>
+          </p:nvPr>
+        </p:nvSpPr>
+        <p:spPr/>
+        <p:txBody>
+          <a:bodyPr/>
+          <a:lstStyle/>
+          <a:p>
+            <a:fld id="{4B65396E-BA54-0B46-9AD4-097ED26DFC13}" type="slidenum">
+              <a:rPr lang="en-US" smtClean="0"/>
+              <a:t>13</a:t>
+            </a:fld>
+            <a:endParaRPr lang="en-US"/>
+          </a:p>
+        </p:txBody>
+      </p:sp>
     </p:spTree>
     <p:extLst>
       <p:ext uri="{BB962C8B-B14F-4D97-AF65-F5344CB8AC3E}">
@@ -8107,6 +8253,35 @@
           </a:p>
         </p:txBody>
       </p:sp>
+      <p:sp>
+        <p:nvSpPr>
+          <p:cNvPr id="4" name="Slide Number Placeholder 3">
+            <a:extLst>
+              <a:ext uri="{FF2B5EF4-FFF2-40B4-BE49-F238E27FC236}">
+                <a16:creationId xmlns:a16="http://schemas.microsoft.com/office/drawing/2014/main" id="{5336A70C-7B4B-0544-BAEE-3D912BCF6D96}"/>
+              </a:ext>
+            </a:extLst>
+          </p:cNvPr>
+          <p:cNvSpPr>
+            <a:spLocks noGrp="1"/>
+          </p:cNvSpPr>
+          <p:nvPr>
+            <p:ph type="sldNum" sz="quarter" idx="12"/>
+          </p:nvPr>
+        </p:nvSpPr>
+        <p:spPr/>
+        <p:txBody>
+          <a:bodyPr/>
+          <a:lstStyle/>
+          <a:p>
+            <a:fld id="{4B65396E-BA54-0B46-9AD4-097ED26DFC13}" type="slidenum">
+              <a:rPr lang="en-US" smtClean="0"/>
+              <a:t>14</a:t>
+            </a:fld>
+            <a:endParaRPr lang="en-US"/>
+          </a:p>
+        </p:txBody>
+      </p:sp>
     </p:spTree>
     <p:extLst>
       <p:ext uri="{BB962C8B-B14F-4D97-AF65-F5344CB8AC3E}">
@@ -8154,7 +8329,7 @@
             <p:spPr>
               <a:xfrm>
                 <a:off x="537658" y="1102097"/>
-                <a:ext cx="5974841" cy="4893647"/>
+                <a:ext cx="5974841" cy="4493538"/>
               </a:xfrm>
               <a:prstGeom prst="rect">
                 <a:avLst/>
@@ -8281,16 +8456,6 @@
                 </a:pPr>
                 <a:endParaRPr lang="en-US" sz="2600" dirty="0"/>
               </a:p>
-              <a:p>
-                <a:pPr marL="514350" indent="-514350">
-                  <a:buFont typeface="+mj-lt"/>
-                  <a:buAutoNum type="arabicPeriod"/>
-                </a:pPr>
-                <a:r>
-                  <a:rPr lang="en-US" sz="2600" dirty="0"/>
-                  <a:t>Introduction to scattering theory</a:t>
-                </a:r>
-              </a:p>
             </p:txBody>
           </p:sp>
         </mc:Choice>
@@ -8312,7 +8477,7 @@
             <p:spPr>
               <a:xfrm>
                 <a:off x="537658" y="1102097"/>
-                <a:ext cx="5974841" cy="4893647"/>
+                <a:ext cx="5974841" cy="4493538"/>
               </a:xfrm>
               <a:prstGeom prst="rect">
                 <a:avLst/>
@@ -8320,7 +8485,7 @@
               <a:blipFill>
                 <a:blip r:embed="rId2"/>
                 <a:stretch>
-                  <a:fillRect l="-1695" t="-1295" r="-636" b="-2332"/>
+                  <a:fillRect l="-1695" t="-1408" r="-636"/>
                 </a:stretch>
               </a:blipFill>
             </p:spPr>
@@ -8339,6 +8504,35 @@
           </p:sp>
         </mc:Fallback>
       </mc:AlternateContent>
+      <p:sp>
+        <p:nvSpPr>
+          <p:cNvPr id="3" name="Slide Number Placeholder 2">
+            <a:extLst>
+              <a:ext uri="{FF2B5EF4-FFF2-40B4-BE49-F238E27FC236}">
+                <a16:creationId xmlns:a16="http://schemas.microsoft.com/office/drawing/2014/main" id="{DF205771-A0BC-8642-8708-B77DB6D3CDEE}"/>
+              </a:ext>
+            </a:extLst>
+          </p:cNvPr>
+          <p:cNvSpPr>
+            <a:spLocks noGrp="1"/>
+          </p:cNvSpPr>
+          <p:nvPr>
+            <p:ph type="sldNum" sz="quarter" idx="12"/>
+          </p:nvPr>
+        </p:nvSpPr>
+        <p:spPr/>
+        <p:txBody>
+          <a:bodyPr/>
+          <a:lstStyle/>
+          <a:p>
+            <a:fld id="{4B65396E-BA54-0B46-9AD4-097ED26DFC13}" type="slidenum">
+              <a:rPr lang="en-US" smtClean="0"/>
+              <a:t>2</a:t>
+            </a:fld>
+            <a:endParaRPr lang="en-US"/>
+          </a:p>
+        </p:txBody>
+      </p:sp>
     </p:spTree>
     <p:extLst>
       <p:ext uri="{BB962C8B-B14F-4D97-AF65-F5344CB8AC3E}">
@@ -9215,6 +9409,35 @@
           </p:graphicFrame>
         </mc:Fallback>
       </mc:AlternateContent>
+      <p:sp>
+        <p:nvSpPr>
+          <p:cNvPr id="5" name="Slide Number Placeholder 4">
+            <a:extLst>
+              <a:ext uri="{FF2B5EF4-FFF2-40B4-BE49-F238E27FC236}">
+                <a16:creationId xmlns:a16="http://schemas.microsoft.com/office/drawing/2014/main" id="{16610E7B-5EB0-E545-9266-018B0C7BD786}"/>
+              </a:ext>
+            </a:extLst>
+          </p:cNvPr>
+          <p:cNvSpPr>
+            <a:spLocks noGrp="1"/>
+          </p:cNvSpPr>
+          <p:nvPr>
+            <p:ph type="sldNum" sz="quarter" idx="12"/>
+          </p:nvPr>
+        </p:nvSpPr>
+        <p:spPr/>
+        <p:txBody>
+          <a:bodyPr/>
+          <a:lstStyle/>
+          <a:p>
+            <a:fld id="{4B65396E-BA54-0B46-9AD4-097ED26DFC13}" type="slidenum">
+              <a:rPr lang="en-US" smtClean="0"/>
+              <a:t>3</a:t>
+            </a:fld>
+            <a:endParaRPr lang="en-US"/>
+          </a:p>
+        </p:txBody>
+      </p:sp>
     </p:spTree>
     <p:extLst>
       <p:ext uri="{BB962C8B-B14F-4D97-AF65-F5344CB8AC3E}">
@@ -9660,6 +9883,35 @@
           </p:sp>
         </mc:Fallback>
       </mc:AlternateContent>
+      <p:sp>
+        <p:nvSpPr>
+          <p:cNvPr id="2" name="Slide Number Placeholder 1">
+            <a:extLst>
+              <a:ext uri="{FF2B5EF4-FFF2-40B4-BE49-F238E27FC236}">
+                <a16:creationId xmlns:a16="http://schemas.microsoft.com/office/drawing/2014/main" id="{C378629C-1482-EA44-84BA-34EEBA6A26AA}"/>
+              </a:ext>
+            </a:extLst>
+          </p:cNvPr>
+          <p:cNvSpPr>
+            <a:spLocks noGrp="1"/>
+          </p:cNvSpPr>
+          <p:nvPr>
+            <p:ph type="sldNum" sz="quarter" idx="12"/>
+          </p:nvPr>
+        </p:nvSpPr>
+        <p:spPr/>
+        <p:txBody>
+          <a:bodyPr/>
+          <a:lstStyle/>
+          <a:p>
+            <a:fld id="{4B65396E-BA54-0B46-9AD4-097ED26DFC13}" type="slidenum">
+              <a:rPr lang="en-US" smtClean="0"/>
+              <a:t>4</a:t>
+            </a:fld>
+            <a:endParaRPr lang="en-US"/>
+          </a:p>
+        </p:txBody>
+      </p:sp>
     </p:spTree>
     <p:extLst>
       <p:ext uri="{BB962C8B-B14F-4D97-AF65-F5344CB8AC3E}">
@@ -11082,6 +11334,35 @@
           </a:p>
         </p:txBody>
       </p:sp>
+      <p:sp>
+        <p:nvSpPr>
+          <p:cNvPr id="6" name="Slide Number Placeholder 5">
+            <a:extLst>
+              <a:ext uri="{FF2B5EF4-FFF2-40B4-BE49-F238E27FC236}">
+                <a16:creationId xmlns:a16="http://schemas.microsoft.com/office/drawing/2014/main" id="{D9110A7E-4D72-A24C-BBAA-D414B429B9E2}"/>
+              </a:ext>
+            </a:extLst>
+          </p:cNvPr>
+          <p:cNvSpPr>
+            <a:spLocks noGrp="1"/>
+          </p:cNvSpPr>
+          <p:nvPr>
+            <p:ph type="sldNum" sz="quarter" idx="12"/>
+          </p:nvPr>
+        </p:nvSpPr>
+        <p:spPr/>
+        <p:txBody>
+          <a:bodyPr/>
+          <a:lstStyle/>
+          <a:p>
+            <a:fld id="{4B65396E-BA54-0B46-9AD4-097ED26DFC13}" type="slidenum">
+              <a:rPr lang="en-US" smtClean="0"/>
+              <a:t>5</a:t>
+            </a:fld>
+            <a:endParaRPr lang="en-US"/>
+          </a:p>
+        </p:txBody>
+      </p:sp>
     </p:spTree>
     <p:extLst>
       <p:ext uri="{BB962C8B-B14F-4D97-AF65-F5344CB8AC3E}">
@@ -13775,6 +14056,35 @@
               <a:rPr lang="en-US" dirty="0"/>
               <a:t>on board</a:t>
             </a:r>
+          </a:p>
+        </p:txBody>
+      </p:sp>
+      <p:sp>
+        <p:nvSpPr>
+          <p:cNvPr id="6" name="Slide Number Placeholder 5">
+            <a:extLst>
+              <a:ext uri="{FF2B5EF4-FFF2-40B4-BE49-F238E27FC236}">
+                <a16:creationId xmlns:a16="http://schemas.microsoft.com/office/drawing/2014/main" id="{2742F8B7-CD9B-544F-A355-2A255CE89285}"/>
+              </a:ext>
+            </a:extLst>
+          </p:cNvPr>
+          <p:cNvSpPr>
+            <a:spLocks noGrp="1"/>
+          </p:cNvSpPr>
+          <p:nvPr>
+            <p:ph type="sldNum" sz="quarter" idx="12"/>
+          </p:nvPr>
+        </p:nvSpPr>
+        <p:spPr/>
+        <p:txBody>
+          <a:bodyPr/>
+          <a:lstStyle/>
+          <a:p>
+            <a:fld id="{4B65396E-BA54-0B46-9AD4-097ED26DFC13}" type="slidenum">
+              <a:rPr lang="en-US" smtClean="0"/>
+              <a:t>6</a:t>
+            </a:fld>
+            <a:endParaRPr lang="en-US"/>
           </a:p>
         </p:txBody>
       </p:sp>
@@ -16469,6 +16779,35 @@
               <a:rPr lang="en-US" dirty="0"/>
               <a:t>on board</a:t>
             </a:r>
+          </a:p>
+        </p:txBody>
+      </p:sp>
+      <p:sp>
+        <p:nvSpPr>
+          <p:cNvPr id="8" name="Slide Number Placeholder 7">
+            <a:extLst>
+              <a:ext uri="{FF2B5EF4-FFF2-40B4-BE49-F238E27FC236}">
+                <a16:creationId xmlns:a16="http://schemas.microsoft.com/office/drawing/2014/main" id="{A5592415-5F81-5B43-A6D2-8E5F1F0BA606}"/>
+              </a:ext>
+            </a:extLst>
+          </p:cNvPr>
+          <p:cNvSpPr>
+            <a:spLocks noGrp="1"/>
+          </p:cNvSpPr>
+          <p:nvPr>
+            <p:ph type="sldNum" sz="quarter" idx="12"/>
+          </p:nvPr>
+        </p:nvSpPr>
+        <p:spPr/>
+        <p:txBody>
+          <a:bodyPr/>
+          <a:lstStyle/>
+          <a:p>
+            <a:fld id="{4B65396E-BA54-0B46-9AD4-097ED26DFC13}" type="slidenum">
+              <a:rPr lang="en-US" smtClean="0"/>
+              <a:t>7</a:t>
+            </a:fld>
+            <a:endParaRPr lang="en-US"/>
           </a:p>
         </p:txBody>
       </p:sp>
@@ -19160,8 +19499,8 @@
           </p:sp>
         </mc:Fallback>
       </mc:AlternateContent>
-      <mc:AlternateContent xmlns:mc="http://schemas.openxmlformats.org/markup-compatibility/2006" xmlns:a14="http://schemas.microsoft.com/office/drawing/2010/main">
-        <mc:Choice Requires="a14">
+      <mc:AlternateContent xmlns:mc="http://schemas.openxmlformats.org/markup-compatibility/2006">
+        <mc:Choice xmlns:a14="http://schemas.microsoft.com/office/drawing/2010/main" Requires="a14">
           <p:sp>
             <p:nvSpPr>
               <p:cNvPr id="14" name="TextBox 13">
@@ -19176,7 +19515,7 @@
             </p:nvSpPr>
             <p:spPr>
               <a:xfrm>
-                <a:off x="6294651" y="5143854"/>
+                <a:off x="6294651" y="4970431"/>
                 <a:ext cx="2719462" cy="1384995"/>
               </a:xfrm>
               <a:prstGeom prst="rect">
@@ -19280,7 +19619,7 @@
             </p:txBody>
           </p:sp>
         </mc:Choice>
-        <mc:Fallback xmlns="">
+        <mc:Fallback>
           <p:sp>
             <p:nvSpPr>
               <p:cNvPr id="14" name="TextBox 13">
@@ -19297,7 +19636,7 @@
             </p:nvSpPr>
             <p:spPr>
               <a:xfrm>
-                <a:off x="6294651" y="5143854"/>
+                <a:off x="6294651" y="4970431"/>
                 <a:ext cx="2719462" cy="1384995"/>
               </a:xfrm>
               <a:prstGeom prst="rect">
@@ -19367,6 +19706,35 @@
               <a:rPr lang="en-US" dirty="0"/>
               <a:t>on board</a:t>
             </a:r>
+          </a:p>
+        </p:txBody>
+      </p:sp>
+      <p:sp>
+        <p:nvSpPr>
+          <p:cNvPr id="3" name="Slide Number Placeholder 2">
+            <a:extLst>
+              <a:ext uri="{FF2B5EF4-FFF2-40B4-BE49-F238E27FC236}">
+                <a16:creationId xmlns:a16="http://schemas.microsoft.com/office/drawing/2014/main" id="{7D03F153-CDC7-4645-9BDF-9926B362DD53}"/>
+              </a:ext>
+            </a:extLst>
+          </p:cNvPr>
+          <p:cNvSpPr>
+            <a:spLocks noGrp="1"/>
+          </p:cNvSpPr>
+          <p:nvPr>
+            <p:ph type="sldNum" sz="quarter" idx="12"/>
+          </p:nvPr>
+        </p:nvSpPr>
+        <p:spPr/>
+        <p:txBody>
+          <a:bodyPr/>
+          <a:lstStyle/>
+          <a:p>
+            <a:fld id="{4B65396E-BA54-0B46-9AD4-097ED26DFC13}" type="slidenum">
+              <a:rPr lang="en-US" smtClean="0"/>
+              <a:t>8</a:t>
+            </a:fld>
+            <a:endParaRPr lang="en-US"/>
           </a:p>
         </p:txBody>
       </p:sp>
@@ -21232,6 +21600,35 @@
           </p:sp>
         </mc:Fallback>
       </mc:AlternateContent>
+      <p:sp>
+        <p:nvSpPr>
+          <p:cNvPr id="2" name="Slide Number Placeholder 1">
+            <a:extLst>
+              <a:ext uri="{FF2B5EF4-FFF2-40B4-BE49-F238E27FC236}">
+                <a16:creationId xmlns:a16="http://schemas.microsoft.com/office/drawing/2014/main" id="{43BBCD59-8813-AA4B-A6C0-855D1CEFE9D8}"/>
+              </a:ext>
+            </a:extLst>
+          </p:cNvPr>
+          <p:cNvSpPr>
+            <a:spLocks noGrp="1"/>
+          </p:cNvSpPr>
+          <p:nvPr>
+            <p:ph type="sldNum" sz="quarter" idx="12"/>
+          </p:nvPr>
+        </p:nvSpPr>
+        <p:spPr/>
+        <p:txBody>
+          <a:bodyPr/>
+          <a:lstStyle/>
+          <a:p>
+            <a:fld id="{4B65396E-BA54-0B46-9AD4-097ED26DFC13}" type="slidenum">
+              <a:rPr lang="en-US" smtClean="0"/>
+              <a:t>9</a:t>
+            </a:fld>
+            <a:endParaRPr lang="en-US"/>
+          </a:p>
+        </p:txBody>
+      </p:sp>
     </p:spTree>
     <p:extLst>
       <p:ext uri="{BB962C8B-B14F-4D97-AF65-F5344CB8AC3E}">
